--- a/docs/images/figures02.pptx
+++ b/docs/images/figures02.pptx
@@ -7,6 +7,14 @@
   <p:sldIdLst>
     <p:sldId id="271" r:id="rId2"/>
     <p:sldId id="270" r:id="rId3"/>
+    <p:sldId id="273" r:id="rId4"/>
+    <p:sldId id="272" r:id="rId5"/>
+    <p:sldId id="274" r:id="rId6"/>
+    <p:sldId id="275" r:id="rId7"/>
+    <p:sldId id="276" r:id="rId8"/>
+    <p:sldId id="277" r:id="rId9"/>
+    <p:sldId id="278" r:id="rId10"/>
+    <p:sldId id="279" r:id="rId11"/>
   </p:sldIdLst>
   <p:sldSz cx="12192000" cy="6858000"/>
   <p:notesSz cx="6858000" cy="9144000"/>
@@ -4525,6 +4533,290 @@
 </p:sld>
 </file>
 
+<file path=ppt/slides/slide10.xml><?xml version="1.0" encoding="utf-8"?>
+<p:sld xmlns:a="http://schemas.openxmlformats.org/drawingml/2006/main" xmlns:r="http://schemas.openxmlformats.org/officeDocument/2006/relationships" xmlns:p="http://schemas.openxmlformats.org/presentationml/2006/main">
+  <p:cSld>
+    <p:spTree>
+      <p:nvGrpSpPr>
+        <p:cNvPr id="1" name=""/>
+        <p:cNvGrpSpPr/>
+        <p:nvPr/>
+      </p:nvGrpSpPr>
+      <p:grpSpPr>
+        <a:xfrm>
+          <a:off x="0" y="0"/>
+          <a:ext cx="0" cy="0"/>
+          <a:chOff x="0" y="0"/>
+          <a:chExt cx="0" cy="0"/>
+        </a:xfrm>
+      </p:grpSpPr>
+      <p:pic>
+        <p:nvPicPr>
+          <p:cNvPr id="3" name="図 2">
+            <a:extLst>
+              <a:ext uri="{FF2B5EF4-FFF2-40B4-BE49-F238E27FC236}">
+                <a16:creationId xmlns:a16="http://schemas.microsoft.com/office/drawing/2014/main" id="{C9F61AD6-A081-F430-EE5F-B07C5B578037}"/>
+              </a:ext>
+            </a:extLst>
+          </p:cNvPr>
+          <p:cNvPicPr>
+            <a:picLocks noChangeAspect="1"/>
+          </p:cNvPicPr>
+          <p:nvPr/>
+        </p:nvPicPr>
+        <p:blipFill>
+          <a:blip r:embed="rId2"/>
+          <a:stretch>
+            <a:fillRect/>
+          </a:stretch>
+        </p:blipFill>
+        <p:spPr>
+          <a:xfrm>
+            <a:off x="233642" y="266232"/>
+            <a:ext cx="4139994" cy="2381482"/>
+          </a:xfrm>
+          <a:prstGeom prst="rect">
+            <a:avLst/>
+          </a:prstGeom>
+          <a:ln>
+            <a:noFill/>
+          </a:ln>
+          <a:effectLst>
+            <a:outerShdw blurRad="292100" dist="139700" dir="2700000" algn="tl" rotWithShape="0">
+              <a:srgbClr val="333333">
+                <a:alpha val="65000"/>
+              </a:srgbClr>
+            </a:outerShdw>
+          </a:effectLst>
+        </p:spPr>
+      </p:pic>
+      <p:pic>
+        <p:nvPicPr>
+          <p:cNvPr id="4" name="図 3">
+            <a:extLst>
+              <a:ext uri="{FF2B5EF4-FFF2-40B4-BE49-F238E27FC236}">
+                <a16:creationId xmlns:a16="http://schemas.microsoft.com/office/drawing/2014/main" id="{5160E402-B2F6-E783-E85C-232E8C651697}"/>
+              </a:ext>
+            </a:extLst>
+          </p:cNvPr>
+          <p:cNvPicPr>
+            <a:picLocks noChangeAspect="1"/>
+          </p:cNvPicPr>
+          <p:nvPr/>
+        </p:nvPicPr>
+        <p:blipFill>
+          <a:blip r:embed="rId3"/>
+          <a:stretch>
+            <a:fillRect/>
+          </a:stretch>
+        </p:blipFill>
+        <p:spPr>
+          <a:xfrm>
+            <a:off x="4702424" y="242575"/>
+            <a:ext cx="4345021" cy="2405139"/>
+          </a:xfrm>
+          <a:prstGeom prst="rect">
+            <a:avLst/>
+          </a:prstGeom>
+          <a:ln>
+            <a:noFill/>
+          </a:ln>
+          <a:effectLst>
+            <a:outerShdw blurRad="292100" dist="139700" dir="2700000" algn="tl" rotWithShape="0">
+              <a:srgbClr val="333333">
+                <a:alpha val="65000"/>
+              </a:srgbClr>
+            </a:outerShdw>
+          </a:effectLst>
+        </p:spPr>
+      </p:pic>
+      <p:pic>
+        <p:nvPicPr>
+          <p:cNvPr id="5" name="図 4">
+            <a:extLst>
+              <a:ext uri="{FF2B5EF4-FFF2-40B4-BE49-F238E27FC236}">
+                <a16:creationId xmlns:a16="http://schemas.microsoft.com/office/drawing/2014/main" id="{A3F77DA2-067A-F801-2D8D-0BA72C4B2760}"/>
+              </a:ext>
+            </a:extLst>
+          </p:cNvPr>
+          <p:cNvPicPr>
+            <a:picLocks noChangeAspect="1"/>
+          </p:cNvPicPr>
+          <p:nvPr/>
+        </p:nvPicPr>
+        <p:blipFill>
+          <a:blip r:embed="rId4"/>
+          <a:stretch>
+            <a:fillRect/>
+          </a:stretch>
+        </p:blipFill>
+        <p:spPr>
+          <a:xfrm>
+            <a:off x="611070" y="2878896"/>
+            <a:ext cx="4670661" cy="3736529"/>
+          </a:xfrm>
+          <a:prstGeom prst="rect">
+            <a:avLst/>
+          </a:prstGeom>
+          <a:ln>
+            <a:noFill/>
+          </a:ln>
+          <a:effectLst>
+            <a:outerShdw blurRad="292100" dist="139700" dir="2700000" algn="tl" rotWithShape="0">
+              <a:srgbClr val="333333">
+                <a:alpha val="65000"/>
+              </a:srgbClr>
+            </a:outerShdw>
+          </a:effectLst>
+        </p:spPr>
+      </p:pic>
+      <p:sp>
+        <p:nvSpPr>
+          <p:cNvPr id="6" name="角丸四角形 5">
+            <a:extLst>
+              <a:ext uri="{FF2B5EF4-FFF2-40B4-BE49-F238E27FC236}">
+                <a16:creationId xmlns:a16="http://schemas.microsoft.com/office/drawing/2014/main" id="{D76A55E3-D47D-313A-307E-ACDBBF029620}"/>
+              </a:ext>
+            </a:extLst>
+          </p:cNvPr>
+          <p:cNvSpPr/>
+          <p:nvPr/>
+        </p:nvSpPr>
+        <p:spPr>
+          <a:xfrm>
+            <a:off x="3307645" y="5583825"/>
+            <a:ext cx="1974086" cy="410575"/>
+          </a:xfrm>
+          <a:prstGeom prst="roundRect">
+            <a:avLst/>
+          </a:prstGeom>
+          <a:noFill/>
+          <a:ln w="28575">
+            <a:solidFill>
+              <a:srgbClr val="FF0000"/>
+            </a:solidFill>
+          </a:ln>
+        </p:spPr>
+        <p:style>
+          <a:lnRef idx="2">
+            <a:schemeClr val="accent1">
+              <a:shade val="50000"/>
+            </a:schemeClr>
+          </a:lnRef>
+          <a:fillRef idx="1">
+            <a:schemeClr val="accent1"/>
+          </a:fillRef>
+          <a:effectRef idx="0">
+            <a:schemeClr val="accent1"/>
+          </a:effectRef>
+          <a:fontRef idx="minor">
+            <a:schemeClr val="lt1"/>
+          </a:fontRef>
+        </p:style>
+        <p:txBody>
+          <a:bodyPr rtlCol="0" anchor="ctr"/>
+          <a:lstStyle/>
+          <a:p>
+            <a:pPr algn="ctr"/>
+            <a:endParaRPr kumimoji="1" lang="ja-JP" altLang="en-US"/>
+          </a:p>
+        </p:txBody>
+      </p:sp>
+      <p:pic>
+        <p:nvPicPr>
+          <p:cNvPr id="7" name="図 6">
+            <a:extLst>
+              <a:ext uri="{FF2B5EF4-FFF2-40B4-BE49-F238E27FC236}">
+                <a16:creationId xmlns:a16="http://schemas.microsoft.com/office/drawing/2014/main" id="{2967DDD9-8369-7501-5ED0-0E66E5512E40}"/>
+              </a:ext>
+            </a:extLst>
+          </p:cNvPr>
+          <p:cNvPicPr>
+            <a:picLocks noChangeAspect="1"/>
+          </p:cNvPicPr>
+          <p:nvPr/>
+        </p:nvPicPr>
+        <p:blipFill>
+          <a:blip r:embed="rId5"/>
+          <a:stretch>
+            <a:fillRect/>
+          </a:stretch>
+        </p:blipFill>
+        <p:spPr>
+          <a:xfrm>
+            <a:off x="5541458" y="2878896"/>
+            <a:ext cx="4608641" cy="3893013"/>
+          </a:xfrm>
+          <a:prstGeom prst="rect">
+            <a:avLst/>
+          </a:prstGeom>
+        </p:spPr>
+      </p:pic>
+      <p:sp>
+        <p:nvSpPr>
+          <p:cNvPr id="8" name="角丸四角形 7">
+            <a:extLst>
+              <a:ext uri="{FF2B5EF4-FFF2-40B4-BE49-F238E27FC236}">
+                <a16:creationId xmlns:a16="http://schemas.microsoft.com/office/drawing/2014/main" id="{832BB9CC-BF53-702D-E470-907FF0BFE758}"/>
+              </a:ext>
+            </a:extLst>
+          </p:cNvPr>
+          <p:cNvSpPr/>
+          <p:nvPr/>
+        </p:nvSpPr>
+        <p:spPr>
+          <a:xfrm>
+            <a:off x="5887890" y="5645674"/>
+            <a:ext cx="2770687" cy="495482"/>
+          </a:xfrm>
+          <a:prstGeom prst="roundRect">
+            <a:avLst/>
+          </a:prstGeom>
+          <a:noFill/>
+          <a:ln w="28575">
+            <a:solidFill>
+              <a:srgbClr val="FF0000"/>
+            </a:solidFill>
+          </a:ln>
+        </p:spPr>
+        <p:style>
+          <a:lnRef idx="2">
+            <a:schemeClr val="accent1">
+              <a:shade val="50000"/>
+            </a:schemeClr>
+          </a:lnRef>
+          <a:fillRef idx="1">
+            <a:schemeClr val="accent1"/>
+          </a:fillRef>
+          <a:effectRef idx="0">
+            <a:schemeClr val="accent1"/>
+          </a:effectRef>
+          <a:fontRef idx="minor">
+            <a:schemeClr val="lt1"/>
+          </a:fontRef>
+        </p:style>
+        <p:txBody>
+          <a:bodyPr rtlCol="0" anchor="ctr"/>
+          <a:lstStyle/>
+          <a:p>
+            <a:pPr algn="ctr"/>
+            <a:endParaRPr kumimoji="1" lang="ja-JP" altLang="en-US"/>
+          </a:p>
+        </p:txBody>
+      </p:sp>
+    </p:spTree>
+    <p:extLst>
+      <p:ext uri="{BB962C8B-B14F-4D97-AF65-F5344CB8AC3E}">
+        <p14:creationId xmlns:p14="http://schemas.microsoft.com/office/powerpoint/2010/main" val="2610151160"/>
+      </p:ext>
+    </p:extLst>
+  </p:cSld>
+  <p:clrMapOvr>
+    <a:masterClrMapping/>
+  </p:clrMapOvr>
+</p:sld>
+</file>
+
 <file path=ppt/slides/slide2.xml><?xml version="1.0" encoding="utf-8"?>
 <p:sld xmlns:a="http://schemas.openxmlformats.org/drawingml/2006/main" xmlns:r="http://schemas.openxmlformats.org/officeDocument/2006/relationships" xmlns:p="http://schemas.openxmlformats.org/presentationml/2006/main">
   <p:cSld>
@@ -4608,6 +4900,1772 @@
     <p:extLst>
       <p:ext uri="{BB962C8B-B14F-4D97-AF65-F5344CB8AC3E}">
         <p14:creationId xmlns:p14="http://schemas.microsoft.com/office/powerpoint/2010/main" val="2875995149"/>
+      </p:ext>
+    </p:extLst>
+  </p:cSld>
+  <p:clrMapOvr>
+    <a:masterClrMapping/>
+  </p:clrMapOvr>
+</p:sld>
+</file>
+
+<file path=ppt/slides/slide3.xml><?xml version="1.0" encoding="utf-8"?>
+<p:sld xmlns:a="http://schemas.openxmlformats.org/drawingml/2006/main" xmlns:r="http://schemas.openxmlformats.org/officeDocument/2006/relationships" xmlns:p="http://schemas.openxmlformats.org/presentationml/2006/main">
+  <p:cSld>
+    <p:spTree>
+      <p:nvGrpSpPr>
+        <p:cNvPr id="1" name=""/>
+        <p:cNvGrpSpPr/>
+        <p:nvPr/>
+      </p:nvGrpSpPr>
+      <p:grpSpPr>
+        <a:xfrm>
+          <a:off x="0" y="0"/>
+          <a:ext cx="0" cy="0"/>
+          <a:chOff x="0" y="0"/>
+          <a:chExt cx="0" cy="0"/>
+        </a:xfrm>
+      </p:grpSpPr>
+      <p:sp>
+        <p:nvSpPr>
+          <p:cNvPr id="4" name="タイトル 3">
+            <a:extLst>
+              <a:ext uri="{FF2B5EF4-FFF2-40B4-BE49-F238E27FC236}">
+                <a16:creationId xmlns:a16="http://schemas.microsoft.com/office/drawing/2014/main" id="{B056C706-CAED-E361-B6D2-841866E6A72A}"/>
+              </a:ext>
+            </a:extLst>
+          </p:cNvPr>
+          <p:cNvSpPr>
+            <a:spLocks noGrp="1"/>
+          </p:cNvSpPr>
+          <p:nvPr>
+            <p:ph type="ctrTitle"/>
+          </p:nvPr>
+        </p:nvSpPr>
+        <p:spPr/>
+        <p:txBody>
+          <a:bodyPr/>
+          <a:lstStyle/>
+          <a:p>
+            <a:r>
+              <a:rPr lang="en-US" altLang="ja-JP" dirty="0"/>
+              <a:t>Module </a:t>
+            </a:r>
+            <a:r>
+              <a:rPr lang="ja-JP" altLang="en-US"/>
+              <a:t>２</a:t>
+            </a:r>
+            <a:endParaRPr lang="ja-JP" altLang="en-US" dirty="0"/>
+          </a:p>
+        </p:txBody>
+      </p:sp>
+      <p:sp>
+        <p:nvSpPr>
+          <p:cNvPr id="5" name="字幕 4">
+            <a:extLst>
+              <a:ext uri="{FF2B5EF4-FFF2-40B4-BE49-F238E27FC236}">
+                <a16:creationId xmlns:a16="http://schemas.microsoft.com/office/drawing/2014/main" id="{418DD1D5-C103-7EC3-5E1A-20E7A30788A7}"/>
+              </a:ext>
+            </a:extLst>
+          </p:cNvPr>
+          <p:cNvSpPr>
+            <a:spLocks noGrp="1"/>
+          </p:cNvSpPr>
+          <p:nvPr>
+            <p:ph type="subTitle" idx="1"/>
+          </p:nvPr>
+        </p:nvSpPr>
+        <p:spPr/>
+        <p:txBody>
+          <a:bodyPr/>
+          <a:lstStyle/>
+          <a:p>
+            <a:r>
+              <a:rPr lang="en-US" altLang="ja-JP" dirty="0"/>
+              <a:t>Step2</a:t>
+            </a:r>
+            <a:endParaRPr lang="ja-JP" altLang="en-US" dirty="0"/>
+          </a:p>
+        </p:txBody>
+      </p:sp>
+    </p:spTree>
+    <p:extLst>
+      <p:ext uri="{BB962C8B-B14F-4D97-AF65-F5344CB8AC3E}">
+        <p14:creationId xmlns:p14="http://schemas.microsoft.com/office/powerpoint/2010/main" val="2680663059"/>
+      </p:ext>
+    </p:extLst>
+  </p:cSld>
+  <p:clrMapOvr>
+    <a:masterClrMapping/>
+  </p:clrMapOvr>
+</p:sld>
+</file>
+
+<file path=ppt/slides/slide4.xml><?xml version="1.0" encoding="utf-8"?>
+<p:sld xmlns:a="http://schemas.openxmlformats.org/drawingml/2006/main" xmlns:r="http://schemas.openxmlformats.org/officeDocument/2006/relationships" xmlns:p="http://schemas.openxmlformats.org/presentationml/2006/main">
+  <p:cSld>
+    <p:spTree>
+      <p:nvGrpSpPr>
+        <p:cNvPr id="1" name=""/>
+        <p:cNvGrpSpPr/>
+        <p:nvPr/>
+      </p:nvGrpSpPr>
+      <p:grpSpPr>
+        <a:xfrm>
+          <a:off x="0" y="0"/>
+          <a:ext cx="0" cy="0"/>
+          <a:chOff x="0" y="0"/>
+          <a:chExt cx="0" cy="0"/>
+        </a:xfrm>
+      </p:grpSpPr>
+      <p:pic>
+        <p:nvPicPr>
+          <p:cNvPr id="4" name="図 3">
+            <a:extLst>
+              <a:ext uri="{FF2B5EF4-FFF2-40B4-BE49-F238E27FC236}">
+                <a16:creationId xmlns:a16="http://schemas.microsoft.com/office/drawing/2014/main" id="{7E559648-1D34-DB7A-07FA-FA3D4E09CF39}"/>
+              </a:ext>
+            </a:extLst>
+          </p:cNvPr>
+          <p:cNvPicPr>
+            <a:picLocks noChangeAspect="1"/>
+          </p:cNvPicPr>
+          <p:nvPr/>
+        </p:nvPicPr>
+        <p:blipFill>
+          <a:blip r:embed="rId2"/>
+          <a:stretch>
+            <a:fillRect/>
+          </a:stretch>
+        </p:blipFill>
+        <p:spPr>
+          <a:xfrm>
+            <a:off x="194375" y="1068865"/>
+            <a:ext cx="5311671" cy="3616966"/>
+          </a:xfrm>
+          <a:prstGeom prst="rect">
+            <a:avLst/>
+          </a:prstGeom>
+          <a:ln>
+            <a:noFill/>
+          </a:ln>
+          <a:effectLst>
+            <a:outerShdw blurRad="292100" dist="139700" dir="2700000" algn="tl" rotWithShape="0">
+              <a:srgbClr val="333333">
+                <a:alpha val="65000"/>
+              </a:srgbClr>
+            </a:outerShdw>
+          </a:effectLst>
+        </p:spPr>
+      </p:pic>
+      <p:sp>
+        <p:nvSpPr>
+          <p:cNvPr id="5" name="角丸四角形 4">
+            <a:extLst>
+              <a:ext uri="{FF2B5EF4-FFF2-40B4-BE49-F238E27FC236}">
+                <a16:creationId xmlns:a16="http://schemas.microsoft.com/office/drawing/2014/main" id="{93B0FC50-44FA-81A5-813E-20D69F2927BA}"/>
+              </a:ext>
+            </a:extLst>
+          </p:cNvPr>
+          <p:cNvSpPr/>
+          <p:nvPr/>
+        </p:nvSpPr>
+        <p:spPr>
+          <a:xfrm>
+            <a:off x="4856888" y="1068865"/>
+            <a:ext cx="609600" cy="417689"/>
+          </a:xfrm>
+          <a:prstGeom prst="roundRect">
+            <a:avLst/>
+          </a:prstGeom>
+          <a:noFill/>
+          <a:ln w="28575">
+            <a:solidFill>
+              <a:srgbClr val="FF0000"/>
+            </a:solidFill>
+          </a:ln>
+        </p:spPr>
+        <p:style>
+          <a:lnRef idx="2">
+            <a:schemeClr val="accent1">
+              <a:shade val="50000"/>
+            </a:schemeClr>
+          </a:lnRef>
+          <a:fillRef idx="1">
+            <a:schemeClr val="accent1"/>
+          </a:fillRef>
+          <a:effectRef idx="0">
+            <a:schemeClr val="accent1"/>
+          </a:effectRef>
+          <a:fontRef idx="minor">
+            <a:schemeClr val="lt1"/>
+          </a:fontRef>
+        </p:style>
+        <p:txBody>
+          <a:bodyPr rtlCol="0" anchor="ctr"/>
+          <a:lstStyle/>
+          <a:p>
+            <a:pPr algn="ctr"/>
+            <a:endParaRPr kumimoji="1" lang="ja-JP" altLang="en-US"/>
+          </a:p>
+        </p:txBody>
+      </p:sp>
+      <p:pic>
+        <p:nvPicPr>
+          <p:cNvPr id="6" name="図 5">
+            <a:extLst>
+              <a:ext uri="{FF2B5EF4-FFF2-40B4-BE49-F238E27FC236}">
+                <a16:creationId xmlns:a16="http://schemas.microsoft.com/office/drawing/2014/main" id="{071DCBD2-A73E-AAFE-B62F-A3DDE35D336F}"/>
+              </a:ext>
+            </a:extLst>
+          </p:cNvPr>
+          <p:cNvPicPr>
+            <a:picLocks noChangeAspect="1"/>
+          </p:cNvPicPr>
+          <p:nvPr/>
+        </p:nvPicPr>
+        <p:blipFill>
+          <a:blip r:embed="rId3"/>
+          <a:stretch>
+            <a:fillRect/>
+          </a:stretch>
+        </p:blipFill>
+        <p:spPr>
+          <a:xfrm>
+            <a:off x="5574154" y="1068865"/>
+            <a:ext cx="6423471" cy="5516933"/>
+          </a:xfrm>
+          <a:prstGeom prst="rect">
+            <a:avLst/>
+          </a:prstGeom>
+          <a:ln>
+            <a:noFill/>
+          </a:ln>
+          <a:effectLst>
+            <a:outerShdw blurRad="292100" dist="139700" dir="2700000" algn="tl" rotWithShape="0">
+              <a:srgbClr val="333333">
+                <a:alpha val="65000"/>
+              </a:srgbClr>
+            </a:outerShdw>
+          </a:effectLst>
+        </p:spPr>
+      </p:pic>
+    </p:spTree>
+    <p:extLst>
+      <p:ext uri="{BB962C8B-B14F-4D97-AF65-F5344CB8AC3E}">
+        <p14:creationId xmlns:p14="http://schemas.microsoft.com/office/powerpoint/2010/main" val="4068563580"/>
+      </p:ext>
+    </p:extLst>
+  </p:cSld>
+  <p:clrMapOvr>
+    <a:masterClrMapping/>
+  </p:clrMapOvr>
+</p:sld>
+</file>
+
+<file path=ppt/slides/slide5.xml><?xml version="1.0" encoding="utf-8"?>
+<p:sld xmlns:a="http://schemas.openxmlformats.org/drawingml/2006/main" xmlns:r="http://schemas.openxmlformats.org/officeDocument/2006/relationships" xmlns:p="http://schemas.openxmlformats.org/presentationml/2006/main">
+  <p:cSld>
+    <p:spTree>
+      <p:nvGrpSpPr>
+        <p:cNvPr id="1" name=""/>
+        <p:cNvGrpSpPr/>
+        <p:nvPr/>
+      </p:nvGrpSpPr>
+      <p:grpSpPr>
+        <a:xfrm>
+          <a:off x="0" y="0"/>
+          <a:ext cx="0" cy="0"/>
+          <a:chOff x="0" y="0"/>
+          <a:chExt cx="0" cy="0"/>
+        </a:xfrm>
+      </p:grpSpPr>
+      <p:pic>
+        <p:nvPicPr>
+          <p:cNvPr id="2" name="図 1">
+            <a:extLst>
+              <a:ext uri="{FF2B5EF4-FFF2-40B4-BE49-F238E27FC236}">
+                <a16:creationId xmlns:a16="http://schemas.microsoft.com/office/drawing/2014/main" id="{31959F02-7FC3-2C84-21EE-6879D2FA6027}"/>
+              </a:ext>
+            </a:extLst>
+          </p:cNvPr>
+          <p:cNvPicPr>
+            <a:picLocks noChangeAspect="1"/>
+          </p:cNvPicPr>
+          <p:nvPr/>
+        </p:nvPicPr>
+        <p:blipFill rotWithShape="1">
+          <a:blip r:embed="rId2"/>
+          <a:srcRect r="23601"/>
+          <a:stretch/>
+        </p:blipFill>
+        <p:spPr>
+          <a:xfrm>
+            <a:off x="341396" y="350229"/>
+            <a:ext cx="4907425" cy="3203921"/>
+          </a:xfrm>
+          <a:prstGeom prst="rect">
+            <a:avLst/>
+          </a:prstGeom>
+          <a:ln>
+            <a:noFill/>
+          </a:ln>
+          <a:effectLst>
+            <a:outerShdw blurRad="292100" dist="139700" dir="2700000" algn="tl" rotWithShape="0">
+              <a:srgbClr val="333333">
+                <a:alpha val="65000"/>
+              </a:srgbClr>
+            </a:outerShdw>
+          </a:effectLst>
+        </p:spPr>
+      </p:pic>
+      <p:pic>
+        <p:nvPicPr>
+          <p:cNvPr id="3" name="図 2">
+            <a:extLst>
+              <a:ext uri="{FF2B5EF4-FFF2-40B4-BE49-F238E27FC236}">
+                <a16:creationId xmlns:a16="http://schemas.microsoft.com/office/drawing/2014/main" id="{72017196-4B94-ADE4-7BB9-FA58AC4E7716}"/>
+              </a:ext>
+            </a:extLst>
+          </p:cNvPr>
+          <p:cNvPicPr>
+            <a:picLocks noChangeAspect="1"/>
+          </p:cNvPicPr>
+          <p:nvPr/>
+        </p:nvPicPr>
+        <p:blipFill rotWithShape="1">
+          <a:blip r:embed="rId3"/>
+          <a:srcRect r="23601"/>
+          <a:stretch/>
+        </p:blipFill>
+        <p:spPr>
+          <a:xfrm>
+            <a:off x="341396" y="3747124"/>
+            <a:ext cx="4907425" cy="2953620"/>
+          </a:xfrm>
+          <a:prstGeom prst="rect">
+            <a:avLst/>
+          </a:prstGeom>
+          <a:ln>
+            <a:noFill/>
+          </a:ln>
+          <a:effectLst>
+            <a:outerShdw blurRad="292100" dist="139700" dir="2700000" algn="tl" rotWithShape="0">
+              <a:srgbClr val="333333">
+                <a:alpha val="65000"/>
+              </a:srgbClr>
+            </a:outerShdw>
+          </a:effectLst>
+        </p:spPr>
+      </p:pic>
+      <p:pic>
+        <p:nvPicPr>
+          <p:cNvPr id="5" name="図 4">
+            <a:extLst>
+              <a:ext uri="{FF2B5EF4-FFF2-40B4-BE49-F238E27FC236}">
+                <a16:creationId xmlns:a16="http://schemas.microsoft.com/office/drawing/2014/main" id="{395218E6-EF67-1E02-3DF7-80D8C6EA8396}"/>
+              </a:ext>
+            </a:extLst>
+          </p:cNvPr>
+          <p:cNvPicPr>
+            <a:picLocks noChangeAspect="1"/>
+          </p:cNvPicPr>
+          <p:nvPr/>
+        </p:nvPicPr>
+        <p:blipFill>
+          <a:blip r:embed="rId4"/>
+          <a:stretch>
+            <a:fillRect/>
+          </a:stretch>
+        </p:blipFill>
+        <p:spPr>
+          <a:xfrm>
+            <a:off x="5407891" y="438146"/>
+            <a:ext cx="7065818" cy="6232008"/>
+          </a:xfrm>
+          <a:prstGeom prst="rect">
+            <a:avLst/>
+          </a:prstGeom>
+          <a:ln>
+            <a:noFill/>
+          </a:ln>
+          <a:effectLst>
+            <a:outerShdw blurRad="292100" dist="139700" dir="2700000" algn="tl" rotWithShape="0">
+              <a:srgbClr val="333333">
+                <a:alpha val="65000"/>
+              </a:srgbClr>
+            </a:outerShdw>
+          </a:effectLst>
+        </p:spPr>
+      </p:pic>
+      <p:sp>
+        <p:nvSpPr>
+          <p:cNvPr id="6" name="角丸四角形 5">
+            <a:extLst>
+              <a:ext uri="{FF2B5EF4-FFF2-40B4-BE49-F238E27FC236}">
+                <a16:creationId xmlns:a16="http://schemas.microsoft.com/office/drawing/2014/main" id="{DF1AF16F-5BB5-8A82-D958-FDA1E7AF5197}"/>
+              </a:ext>
+            </a:extLst>
+          </p:cNvPr>
+          <p:cNvSpPr/>
+          <p:nvPr/>
+        </p:nvSpPr>
+        <p:spPr>
+          <a:xfrm>
+            <a:off x="442932" y="1952189"/>
+            <a:ext cx="4637067" cy="441055"/>
+          </a:xfrm>
+          <a:prstGeom prst="roundRect">
+            <a:avLst/>
+          </a:prstGeom>
+          <a:noFill/>
+          <a:ln w="28575">
+            <a:solidFill>
+              <a:srgbClr val="FF0000"/>
+            </a:solidFill>
+          </a:ln>
+        </p:spPr>
+        <p:style>
+          <a:lnRef idx="2">
+            <a:schemeClr val="accent1">
+              <a:shade val="50000"/>
+            </a:schemeClr>
+          </a:lnRef>
+          <a:fillRef idx="1">
+            <a:schemeClr val="accent1"/>
+          </a:fillRef>
+          <a:effectRef idx="0">
+            <a:schemeClr val="accent1"/>
+          </a:effectRef>
+          <a:fontRef idx="minor">
+            <a:schemeClr val="lt1"/>
+          </a:fontRef>
+        </p:style>
+        <p:txBody>
+          <a:bodyPr rtlCol="0" anchor="ctr"/>
+          <a:lstStyle/>
+          <a:p>
+            <a:pPr algn="ctr"/>
+            <a:endParaRPr kumimoji="1" lang="ja-JP" altLang="en-US"/>
+          </a:p>
+        </p:txBody>
+      </p:sp>
+      <p:sp>
+        <p:nvSpPr>
+          <p:cNvPr id="7" name="角丸四角形 6">
+            <a:extLst>
+              <a:ext uri="{FF2B5EF4-FFF2-40B4-BE49-F238E27FC236}">
+                <a16:creationId xmlns:a16="http://schemas.microsoft.com/office/drawing/2014/main" id="{9659FDB6-7379-DFFA-2100-8643BC16F020}"/>
+              </a:ext>
+            </a:extLst>
+          </p:cNvPr>
+          <p:cNvSpPr/>
+          <p:nvPr/>
+        </p:nvSpPr>
+        <p:spPr>
+          <a:xfrm>
+            <a:off x="465286" y="6118578"/>
+            <a:ext cx="1194182" cy="434349"/>
+          </a:xfrm>
+          <a:prstGeom prst="roundRect">
+            <a:avLst/>
+          </a:prstGeom>
+          <a:noFill/>
+          <a:ln w="28575">
+            <a:solidFill>
+              <a:srgbClr val="FF0000"/>
+            </a:solidFill>
+          </a:ln>
+        </p:spPr>
+        <p:style>
+          <a:lnRef idx="2">
+            <a:schemeClr val="accent1">
+              <a:shade val="50000"/>
+            </a:schemeClr>
+          </a:lnRef>
+          <a:fillRef idx="1">
+            <a:schemeClr val="accent1"/>
+          </a:fillRef>
+          <a:effectRef idx="0">
+            <a:schemeClr val="accent1"/>
+          </a:effectRef>
+          <a:fontRef idx="minor">
+            <a:schemeClr val="lt1"/>
+          </a:fontRef>
+        </p:style>
+        <p:txBody>
+          <a:bodyPr rtlCol="0" anchor="ctr"/>
+          <a:lstStyle/>
+          <a:p>
+            <a:pPr algn="ctr"/>
+            <a:endParaRPr kumimoji="1" lang="ja-JP" altLang="en-US"/>
+          </a:p>
+        </p:txBody>
+      </p:sp>
+    </p:spTree>
+    <p:extLst>
+      <p:ext uri="{BB962C8B-B14F-4D97-AF65-F5344CB8AC3E}">
+        <p14:creationId xmlns:p14="http://schemas.microsoft.com/office/powerpoint/2010/main" val="2727276314"/>
+      </p:ext>
+    </p:extLst>
+  </p:cSld>
+  <p:clrMapOvr>
+    <a:masterClrMapping/>
+  </p:clrMapOvr>
+</p:sld>
+</file>
+
+<file path=ppt/slides/slide6.xml><?xml version="1.0" encoding="utf-8"?>
+<p:sld xmlns:a="http://schemas.openxmlformats.org/drawingml/2006/main" xmlns:r="http://schemas.openxmlformats.org/officeDocument/2006/relationships" xmlns:p="http://schemas.openxmlformats.org/presentationml/2006/main">
+  <p:cSld>
+    <p:spTree>
+      <p:nvGrpSpPr>
+        <p:cNvPr id="1" name=""/>
+        <p:cNvGrpSpPr/>
+        <p:nvPr/>
+      </p:nvGrpSpPr>
+      <p:grpSpPr>
+        <a:xfrm>
+          <a:off x="0" y="0"/>
+          <a:ext cx="0" cy="0"/>
+          <a:chOff x="0" y="0"/>
+          <a:chExt cx="0" cy="0"/>
+        </a:xfrm>
+      </p:grpSpPr>
+      <p:pic>
+        <p:nvPicPr>
+          <p:cNvPr id="2" name="図 1">
+            <a:extLst>
+              <a:ext uri="{FF2B5EF4-FFF2-40B4-BE49-F238E27FC236}">
+                <a16:creationId xmlns:a16="http://schemas.microsoft.com/office/drawing/2014/main" id="{2EC4B372-0ED4-AEE7-2E08-65AE41527373}"/>
+              </a:ext>
+            </a:extLst>
+          </p:cNvPr>
+          <p:cNvPicPr>
+            <a:picLocks noChangeAspect="1"/>
+          </p:cNvPicPr>
+          <p:nvPr/>
+        </p:nvPicPr>
+        <p:blipFill>
+          <a:blip r:embed="rId2"/>
+          <a:stretch>
+            <a:fillRect/>
+          </a:stretch>
+        </p:blipFill>
+        <p:spPr>
+          <a:xfrm>
+            <a:off x="28173" y="596269"/>
+            <a:ext cx="6423471" cy="5665462"/>
+          </a:xfrm>
+          <a:prstGeom prst="rect">
+            <a:avLst/>
+          </a:prstGeom>
+          <a:ln>
+            <a:noFill/>
+          </a:ln>
+          <a:effectLst>
+            <a:outerShdw blurRad="292100" dist="139700" dir="2700000" algn="tl" rotWithShape="0">
+              <a:srgbClr val="333333">
+                <a:alpha val="65000"/>
+              </a:srgbClr>
+            </a:outerShdw>
+          </a:effectLst>
+        </p:spPr>
+      </p:pic>
+      <p:pic>
+        <p:nvPicPr>
+          <p:cNvPr id="3" name="図 2">
+            <a:extLst>
+              <a:ext uri="{FF2B5EF4-FFF2-40B4-BE49-F238E27FC236}">
+                <a16:creationId xmlns:a16="http://schemas.microsoft.com/office/drawing/2014/main" id="{F35F2EB0-1AC9-8465-D39C-EEFCC4B6872D}"/>
+              </a:ext>
+            </a:extLst>
+          </p:cNvPr>
+          <p:cNvPicPr>
+            <a:picLocks noChangeAspect="1"/>
+          </p:cNvPicPr>
+          <p:nvPr/>
+        </p:nvPicPr>
+        <p:blipFill>
+          <a:blip r:embed="rId3"/>
+          <a:stretch>
+            <a:fillRect/>
+          </a:stretch>
+        </p:blipFill>
+        <p:spPr>
+          <a:xfrm>
+            <a:off x="6733773" y="596269"/>
+            <a:ext cx="6423471" cy="5665462"/>
+          </a:xfrm>
+          <a:prstGeom prst="rect">
+            <a:avLst/>
+          </a:prstGeom>
+          <a:ln>
+            <a:noFill/>
+          </a:ln>
+          <a:effectLst>
+            <a:outerShdw blurRad="292100" dist="139700" dir="2700000" algn="tl" rotWithShape="0">
+              <a:srgbClr val="333333">
+                <a:alpha val="65000"/>
+              </a:srgbClr>
+            </a:outerShdw>
+          </a:effectLst>
+        </p:spPr>
+      </p:pic>
+      <p:sp>
+        <p:nvSpPr>
+          <p:cNvPr id="4" name="角丸四角形 3">
+            <a:extLst>
+              <a:ext uri="{FF2B5EF4-FFF2-40B4-BE49-F238E27FC236}">
+                <a16:creationId xmlns:a16="http://schemas.microsoft.com/office/drawing/2014/main" id="{9FC295FA-4762-6189-9C35-4A9A74DC53AC}"/>
+              </a:ext>
+            </a:extLst>
+          </p:cNvPr>
+          <p:cNvSpPr/>
+          <p:nvPr/>
+        </p:nvSpPr>
+        <p:spPr>
+          <a:xfrm>
+            <a:off x="4037931" y="597112"/>
+            <a:ext cx="554182" cy="345197"/>
+          </a:xfrm>
+          <a:prstGeom prst="roundRect">
+            <a:avLst/>
+          </a:prstGeom>
+          <a:noFill/>
+          <a:ln w="28575">
+            <a:solidFill>
+              <a:srgbClr val="FF0000"/>
+            </a:solidFill>
+          </a:ln>
+        </p:spPr>
+        <p:style>
+          <a:lnRef idx="2">
+            <a:schemeClr val="accent1">
+              <a:shade val="50000"/>
+            </a:schemeClr>
+          </a:lnRef>
+          <a:fillRef idx="1">
+            <a:schemeClr val="accent1"/>
+          </a:fillRef>
+          <a:effectRef idx="0">
+            <a:schemeClr val="accent1"/>
+          </a:effectRef>
+          <a:fontRef idx="minor">
+            <a:schemeClr val="lt1"/>
+          </a:fontRef>
+        </p:style>
+        <p:txBody>
+          <a:bodyPr rtlCol="0" anchor="ctr"/>
+          <a:lstStyle/>
+          <a:p>
+            <a:pPr algn="ctr"/>
+            <a:endParaRPr kumimoji="1" lang="ja-JP" altLang="en-US"/>
+          </a:p>
+        </p:txBody>
+      </p:sp>
+      <p:sp>
+        <p:nvSpPr>
+          <p:cNvPr id="5" name="角丸四角形 4">
+            <a:extLst>
+              <a:ext uri="{FF2B5EF4-FFF2-40B4-BE49-F238E27FC236}">
+                <a16:creationId xmlns:a16="http://schemas.microsoft.com/office/drawing/2014/main" id="{D8FDE586-C7CC-CC85-E7A2-D741111866CE}"/>
+              </a:ext>
+            </a:extLst>
+          </p:cNvPr>
+          <p:cNvSpPr/>
+          <p:nvPr/>
+        </p:nvSpPr>
+        <p:spPr>
+          <a:xfrm>
+            <a:off x="261797" y="2702490"/>
+            <a:ext cx="821935" cy="345197"/>
+          </a:xfrm>
+          <a:prstGeom prst="roundRect">
+            <a:avLst/>
+          </a:prstGeom>
+          <a:noFill/>
+          <a:ln w="28575">
+            <a:solidFill>
+              <a:srgbClr val="FF0000"/>
+            </a:solidFill>
+          </a:ln>
+        </p:spPr>
+        <p:style>
+          <a:lnRef idx="2">
+            <a:schemeClr val="accent1">
+              <a:shade val="50000"/>
+            </a:schemeClr>
+          </a:lnRef>
+          <a:fillRef idx="1">
+            <a:schemeClr val="accent1"/>
+          </a:fillRef>
+          <a:effectRef idx="0">
+            <a:schemeClr val="accent1"/>
+          </a:effectRef>
+          <a:fontRef idx="minor">
+            <a:schemeClr val="lt1"/>
+          </a:fontRef>
+        </p:style>
+        <p:txBody>
+          <a:bodyPr rtlCol="0" anchor="ctr"/>
+          <a:lstStyle/>
+          <a:p>
+            <a:pPr algn="ctr"/>
+            <a:endParaRPr kumimoji="1" lang="ja-JP" altLang="en-US"/>
+          </a:p>
+        </p:txBody>
+      </p:sp>
+    </p:spTree>
+    <p:extLst>
+      <p:ext uri="{BB962C8B-B14F-4D97-AF65-F5344CB8AC3E}">
+        <p14:creationId xmlns:p14="http://schemas.microsoft.com/office/powerpoint/2010/main" val="551447972"/>
+      </p:ext>
+    </p:extLst>
+  </p:cSld>
+  <p:clrMapOvr>
+    <a:masterClrMapping/>
+  </p:clrMapOvr>
+</p:sld>
+</file>
+
+<file path=ppt/slides/slide7.xml><?xml version="1.0" encoding="utf-8"?>
+<p:sld xmlns:a="http://schemas.openxmlformats.org/drawingml/2006/main" xmlns:r="http://schemas.openxmlformats.org/officeDocument/2006/relationships" xmlns:p="http://schemas.openxmlformats.org/presentationml/2006/main">
+  <p:cSld>
+    <p:spTree>
+      <p:nvGrpSpPr>
+        <p:cNvPr id="1" name=""/>
+        <p:cNvGrpSpPr/>
+        <p:nvPr/>
+      </p:nvGrpSpPr>
+      <p:grpSpPr>
+        <a:xfrm>
+          <a:off x="0" y="0"/>
+          <a:ext cx="0" cy="0"/>
+          <a:chOff x="0" y="0"/>
+          <a:chExt cx="0" cy="0"/>
+        </a:xfrm>
+      </p:grpSpPr>
+      <p:pic>
+        <p:nvPicPr>
+          <p:cNvPr id="2" name="図 1">
+            <a:extLst>
+              <a:ext uri="{FF2B5EF4-FFF2-40B4-BE49-F238E27FC236}">
+                <a16:creationId xmlns:a16="http://schemas.microsoft.com/office/drawing/2014/main" id="{EDC4B0F2-B70A-CA6B-9DD9-A8477A45F724}"/>
+              </a:ext>
+            </a:extLst>
+          </p:cNvPr>
+          <p:cNvPicPr>
+            <a:picLocks noChangeAspect="1"/>
+          </p:cNvPicPr>
+          <p:nvPr/>
+        </p:nvPicPr>
+        <p:blipFill>
+          <a:blip r:embed="rId2"/>
+          <a:stretch>
+            <a:fillRect/>
+          </a:stretch>
+        </p:blipFill>
+        <p:spPr>
+          <a:xfrm>
+            <a:off x="158045" y="286434"/>
+            <a:ext cx="7772400" cy="2988776"/>
+          </a:xfrm>
+          <a:prstGeom prst="rect">
+            <a:avLst/>
+          </a:prstGeom>
+          <a:ln>
+            <a:noFill/>
+          </a:ln>
+          <a:effectLst>
+            <a:outerShdw blurRad="292100" dist="139700" dir="2700000" algn="tl" rotWithShape="0">
+              <a:srgbClr val="333333">
+                <a:alpha val="65000"/>
+              </a:srgbClr>
+            </a:outerShdw>
+          </a:effectLst>
+        </p:spPr>
+      </p:pic>
+      <p:sp>
+        <p:nvSpPr>
+          <p:cNvPr id="3" name="角丸四角形 2">
+            <a:extLst>
+              <a:ext uri="{FF2B5EF4-FFF2-40B4-BE49-F238E27FC236}">
+                <a16:creationId xmlns:a16="http://schemas.microsoft.com/office/drawing/2014/main" id="{0D312E47-8624-67DE-CD99-05055A336D77}"/>
+              </a:ext>
+            </a:extLst>
+          </p:cNvPr>
+          <p:cNvSpPr/>
+          <p:nvPr/>
+        </p:nvSpPr>
+        <p:spPr>
+          <a:xfrm>
+            <a:off x="5477264" y="286434"/>
+            <a:ext cx="821935" cy="345197"/>
+          </a:xfrm>
+          <a:prstGeom prst="roundRect">
+            <a:avLst/>
+          </a:prstGeom>
+          <a:noFill/>
+          <a:ln w="28575">
+            <a:solidFill>
+              <a:srgbClr val="FF0000"/>
+            </a:solidFill>
+          </a:ln>
+        </p:spPr>
+        <p:style>
+          <a:lnRef idx="2">
+            <a:schemeClr val="accent1">
+              <a:shade val="50000"/>
+            </a:schemeClr>
+          </a:lnRef>
+          <a:fillRef idx="1">
+            <a:schemeClr val="accent1"/>
+          </a:fillRef>
+          <a:effectRef idx="0">
+            <a:schemeClr val="accent1"/>
+          </a:effectRef>
+          <a:fontRef idx="minor">
+            <a:schemeClr val="lt1"/>
+          </a:fontRef>
+        </p:style>
+        <p:txBody>
+          <a:bodyPr rtlCol="0" anchor="ctr"/>
+          <a:lstStyle/>
+          <a:p>
+            <a:pPr algn="ctr"/>
+            <a:endParaRPr kumimoji="1" lang="ja-JP" altLang="en-US"/>
+          </a:p>
+        </p:txBody>
+      </p:sp>
+      <p:sp>
+        <p:nvSpPr>
+          <p:cNvPr id="4" name="角丸四角形 3">
+            <a:extLst>
+              <a:ext uri="{FF2B5EF4-FFF2-40B4-BE49-F238E27FC236}">
+                <a16:creationId xmlns:a16="http://schemas.microsoft.com/office/drawing/2014/main" id="{594718EF-6702-2717-4DCB-1BFE128BC65A}"/>
+              </a:ext>
+            </a:extLst>
+          </p:cNvPr>
+          <p:cNvSpPr/>
+          <p:nvPr/>
+        </p:nvSpPr>
+        <p:spPr>
+          <a:xfrm>
+            <a:off x="436775" y="2369234"/>
+            <a:ext cx="821935" cy="345197"/>
+          </a:xfrm>
+          <a:prstGeom prst="roundRect">
+            <a:avLst/>
+          </a:prstGeom>
+          <a:noFill/>
+          <a:ln w="28575">
+            <a:solidFill>
+              <a:srgbClr val="FF0000"/>
+            </a:solidFill>
+          </a:ln>
+        </p:spPr>
+        <p:style>
+          <a:lnRef idx="2">
+            <a:schemeClr val="accent1">
+              <a:shade val="50000"/>
+            </a:schemeClr>
+          </a:lnRef>
+          <a:fillRef idx="1">
+            <a:schemeClr val="accent1"/>
+          </a:fillRef>
+          <a:effectRef idx="0">
+            <a:schemeClr val="accent1"/>
+          </a:effectRef>
+          <a:fontRef idx="minor">
+            <a:schemeClr val="lt1"/>
+          </a:fontRef>
+        </p:style>
+        <p:txBody>
+          <a:bodyPr rtlCol="0" anchor="ctr"/>
+          <a:lstStyle/>
+          <a:p>
+            <a:pPr algn="ctr"/>
+            <a:endParaRPr kumimoji="1" lang="ja-JP" altLang="en-US"/>
+          </a:p>
+        </p:txBody>
+      </p:sp>
+      <p:pic>
+        <p:nvPicPr>
+          <p:cNvPr id="5" name="図 4">
+            <a:extLst>
+              <a:ext uri="{FF2B5EF4-FFF2-40B4-BE49-F238E27FC236}">
+                <a16:creationId xmlns:a16="http://schemas.microsoft.com/office/drawing/2014/main" id="{D1F347BE-C2CA-081C-AA54-7B6B2BDCAD17}"/>
+              </a:ext>
+            </a:extLst>
+          </p:cNvPr>
+          <p:cNvPicPr>
+            <a:picLocks noChangeAspect="1"/>
+          </p:cNvPicPr>
+          <p:nvPr/>
+        </p:nvPicPr>
+        <p:blipFill>
+          <a:blip r:embed="rId3"/>
+          <a:stretch>
+            <a:fillRect/>
+          </a:stretch>
+        </p:blipFill>
+        <p:spPr>
+          <a:xfrm>
+            <a:off x="4044245" y="1163304"/>
+            <a:ext cx="7772400" cy="5408262"/>
+          </a:xfrm>
+          <a:prstGeom prst="rect">
+            <a:avLst/>
+          </a:prstGeom>
+          <a:ln>
+            <a:noFill/>
+          </a:ln>
+          <a:effectLst>
+            <a:outerShdw blurRad="292100" dist="139700" dir="2700000" algn="tl" rotWithShape="0">
+              <a:srgbClr val="333333">
+                <a:alpha val="65000"/>
+              </a:srgbClr>
+            </a:outerShdw>
+          </a:effectLst>
+        </p:spPr>
+      </p:pic>
+      <p:sp>
+        <p:nvSpPr>
+          <p:cNvPr id="6" name="角丸四角形 5">
+            <a:extLst>
+              <a:ext uri="{FF2B5EF4-FFF2-40B4-BE49-F238E27FC236}">
+                <a16:creationId xmlns:a16="http://schemas.microsoft.com/office/drawing/2014/main" id="{5B0EA5AB-5290-673D-9CF2-5964C3FF31FA}"/>
+              </a:ext>
+            </a:extLst>
+          </p:cNvPr>
+          <p:cNvSpPr/>
+          <p:nvPr/>
+        </p:nvSpPr>
+        <p:spPr>
+          <a:xfrm>
+            <a:off x="4376599" y="6226369"/>
+            <a:ext cx="821935" cy="345197"/>
+          </a:xfrm>
+          <a:prstGeom prst="roundRect">
+            <a:avLst/>
+          </a:prstGeom>
+          <a:noFill/>
+          <a:ln w="28575">
+            <a:solidFill>
+              <a:srgbClr val="FF0000"/>
+            </a:solidFill>
+          </a:ln>
+        </p:spPr>
+        <p:style>
+          <a:lnRef idx="2">
+            <a:schemeClr val="accent1">
+              <a:shade val="50000"/>
+            </a:schemeClr>
+          </a:lnRef>
+          <a:fillRef idx="1">
+            <a:schemeClr val="accent1"/>
+          </a:fillRef>
+          <a:effectRef idx="0">
+            <a:schemeClr val="accent1"/>
+          </a:effectRef>
+          <a:fontRef idx="minor">
+            <a:schemeClr val="lt1"/>
+          </a:fontRef>
+        </p:style>
+        <p:txBody>
+          <a:bodyPr rtlCol="0" anchor="ctr"/>
+          <a:lstStyle/>
+          <a:p>
+            <a:pPr algn="ctr"/>
+            <a:endParaRPr kumimoji="1" lang="ja-JP" altLang="en-US"/>
+          </a:p>
+        </p:txBody>
+      </p:sp>
+      <p:sp>
+        <p:nvSpPr>
+          <p:cNvPr id="7" name="角丸四角形 6">
+            <a:extLst>
+              <a:ext uri="{FF2B5EF4-FFF2-40B4-BE49-F238E27FC236}">
+                <a16:creationId xmlns:a16="http://schemas.microsoft.com/office/drawing/2014/main" id="{0EC6B5B7-B652-3B17-97C6-CD1DE50EBB8A}"/>
+              </a:ext>
+            </a:extLst>
+          </p:cNvPr>
+          <p:cNvSpPr/>
+          <p:nvPr/>
+        </p:nvSpPr>
+        <p:spPr>
+          <a:xfrm>
+            <a:off x="4367463" y="3979481"/>
+            <a:ext cx="4181718" cy="603808"/>
+          </a:xfrm>
+          <a:prstGeom prst="roundRect">
+            <a:avLst/>
+          </a:prstGeom>
+          <a:noFill/>
+          <a:ln w="28575">
+            <a:solidFill>
+              <a:srgbClr val="FF0000"/>
+            </a:solidFill>
+          </a:ln>
+        </p:spPr>
+        <p:style>
+          <a:lnRef idx="2">
+            <a:schemeClr val="accent1">
+              <a:shade val="50000"/>
+            </a:schemeClr>
+          </a:lnRef>
+          <a:fillRef idx="1">
+            <a:schemeClr val="accent1"/>
+          </a:fillRef>
+          <a:effectRef idx="0">
+            <a:schemeClr val="accent1"/>
+          </a:effectRef>
+          <a:fontRef idx="minor">
+            <a:schemeClr val="lt1"/>
+          </a:fontRef>
+        </p:style>
+        <p:txBody>
+          <a:bodyPr rtlCol="0" anchor="ctr"/>
+          <a:lstStyle/>
+          <a:p>
+            <a:pPr algn="ctr"/>
+            <a:endParaRPr kumimoji="1" lang="ja-JP" altLang="en-US"/>
+          </a:p>
+        </p:txBody>
+      </p:sp>
+    </p:spTree>
+    <p:extLst>
+      <p:ext uri="{BB962C8B-B14F-4D97-AF65-F5344CB8AC3E}">
+        <p14:creationId xmlns:p14="http://schemas.microsoft.com/office/powerpoint/2010/main" val="2114104392"/>
+      </p:ext>
+    </p:extLst>
+  </p:cSld>
+  <p:clrMapOvr>
+    <a:masterClrMapping/>
+  </p:clrMapOvr>
+</p:sld>
+</file>
+
+<file path=ppt/slides/slide8.xml><?xml version="1.0" encoding="utf-8"?>
+<p:sld xmlns:a="http://schemas.openxmlformats.org/drawingml/2006/main" xmlns:r="http://schemas.openxmlformats.org/officeDocument/2006/relationships" xmlns:p="http://schemas.openxmlformats.org/presentationml/2006/main">
+  <p:cSld>
+    <p:spTree>
+      <p:nvGrpSpPr>
+        <p:cNvPr id="1" name=""/>
+        <p:cNvGrpSpPr/>
+        <p:nvPr/>
+      </p:nvGrpSpPr>
+      <p:grpSpPr>
+        <a:xfrm>
+          <a:off x="0" y="0"/>
+          <a:ext cx="0" cy="0"/>
+          <a:chOff x="0" y="0"/>
+          <a:chExt cx="0" cy="0"/>
+        </a:xfrm>
+      </p:grpSpPr>
+      <p:pic>
+        <p:nvPicPr>
+          <p:cNvPr id="2" name="図 1">
+            <a:extLst>
+              <a:ext uri="{FF2B5EF4-FFF2-40B4-BE49-F238E27FC236}">
+                <a16:creationId xmlns:a16="http://schemas.microsoft.com/office/drawing/2014/main" id="{24A679E7-4ED4-3B1E-72B4-B36B269A5063}"/>
+              </a:ext>
+            </a:extLst>
+          </p:cNvPr>
+          <p:cNvPicPr>
+            <a:picLocks noChangeAspect="1"/>
+          </p:cNvPicPr>
+          <p:nvPr/>
+        </p:nvPicPr>
+        <p:blipFill>
+          <a:blip r:embed="rId2"/>
+          <a:stretch>
+            <a:fillRect/>
+          </a:stretch>
+        </p:blipFill>
+        <p:spPr>
+          <a:xfrm>
+            <a:off x="231377" y="212047"/>
+            <a:ext cx="6423471" cy="4469638"/>
+          </a:xfrm>
+          <a:prstGeom prst="rect">
+            <a:avLst/>
+          </a:prstGeom>
+          <a:ln>
+            <a:noFill/>
+          </a:ln>
+          <a:effectLst>
+            <a:outerShdw blurRad="292100" dist="139700" dir="2700000" algn="tl" rotWithShape="0">
+              <a:srgbClr val="333333">
+                <a:alpha val="65000"/>
+              </a:srgbClr>
+            </a:outerShdw>
+          </a:effectLst>
+        </p:spPr>
+      </p:pic>
+      <p:sp>
+        <p:nvSpPr>
+          <p:cNvPr id="3" name="角丸四角形 2">
+            <a:extLst>
+              <a:ext uri="{FF2B5EF4-FFF2-40B4-BE49-F238E27FC236}">
+                <a16:creationId xmlns:a16="http://schemas.microsoft.com/office/drawing/2014/main" id="{8F5856B2-D345-337C-17F3-CDC236A35CBB}"/>
+              </a:ext>
+            </a:extLst>
+          </p:cNvPr>
+          <p:cNvSpPr/>
+          <p:nvPr/>
+        </p:nvSpPr>
+        <p:spPr>
+          <a:xfrm>
+            <a:off x="4196577" y="227738"/>
+            <a:ext cx="617532" cy="313815"/>
+          </a:xfrm>
+          <a:prstGeom prst="roundRect">
+            <a:avLst/>
+          </a:prstGeom>
+          <a:noFill/>
+          <a:ln w="28575">
+            <a:solidFill>
+              <a:srgbClr val="FF0000"/>
+            </a:solidFill>
+          </a:ln>
+        </p:spPr>
+        <p:style>
+          <a:lnRef idx="2">
+            <a:schemeClr val="accent1">
+              <a:shade val="50000"/>
+            </a:schemeClr>
+          </a:lnRef>
+          <a:fillRef idx="1">
+            <a:schemeClr val="accent1"/>
+          </a:fillRef>
+          <a:effectRef idx="0">
+            <a:schemeClr val="accent1"/>
+          </a:effectRef>
+          <a:fontRef idx="minor">
+            <a:schemeClr val="lt1"/>
+          </a:fontRef>
+        </p:style>
+        <p:txBody>
+          <a:bodyPr rtlCol="0" anchor="ctr"/>
+          <a:lstStyle/>
+          <a:p>
+            <a:pPr algn="ctr"/>
+            <a:endParaRPr kumimoji="1" lang="ja-JP" altLang="en-US"/>
+          </a:p>
+        </p:txBody>
+      </p:sp>
+      <p:sp>
+        <p:nvSpPr>
+          <p:cNvPr id="4" name="角丸四角形 3">
+            <a:extLst>
+              <a:ext uri="{FF2B5EF4-FFF2-40B4-BE49-F238E27FC236}">
+                <a16:creationId xmlns:a16="http://schemas.microsoft.com/office/drawing/2014/main" id="{D036731E-F17B-8CBF-13A6-923A8C98DD0F}"/>
+              </a:ext>
+            </a:extLst>
+          </p:cNvPr>
+          <p:cNvSpPr/>
+          <p:nvPr/>
+        </p:nvSpPr>
+        <p:spPr>
+          <a:xfrm>
+            <a:off x="235256" y="2595736"/>
+            <a:ext cx="1093996" cy="285286"/>
+          </a:xfrm>
+          <a:prstGeom prst="roundRect">
+            <a:avLst/>
+          </a:prstGeom>
+          <a:noFill/>
+          <a:ln w="28575">
+            <a:solidFill>
+              <a:srgbClr val="FF0000"/>
+            </a:solidFill>
+          </a:ln>
+        </p:spPr>
+        <p:style>
+          <a:lnRef idx="2">
+            <a:schemeClr val="accent1">
+              <a:shade val="50000"/>
+            </a:schemeClr>
+          </a:lnRef>
+          <a:fillRef idx="1">
+            <a:schemeClr val="accent1"/>
+          </a:fillRef>
+          <a:effectRef idx="0">
+            <a:schemeClr val="accent1"/>
+          </a:effectRef>
+          <a:fontRef idx="minor">
+            <a:schemeClr val="lt1"/>
+          </a:fontRef>
+        </p:style>
+        <p:txBody>
+          <a:bodyPr rtlCol="0" anchor="ctr"/>
+          <a:lstStyle/>
+          <a:p>
+            <a:pPr algn="ctr"/>
+            <a:endParaRPr kumimoji="1" lang="ja-JP" altLang="en-US"/>
+          </a:p>
+        </p:txBody>
+      </p:sp>
+      <p:pic>
+        <p:nvPicPr>
+          <p:cNvPr id="7" name="図 6">
+            <a:extLst>
+              <a:ext uri="{FF2B5EF4-FFF2-40B4-BE49-F238E27FC236}">
+                <a16:creationId xmlns:a16="http://schemas.microsoft.com/office/drawing/2014/main" id="{A2660983-5887-729E-87DB-BA6CC90F3504}"/>
+              </a:ext>
+            </a:extLst>
+          </p:cNvPr>
+          <p:cNvPicPr>
+            <a:picLocks noChangeAspect="1"/>
+          </p:cNvPicPr>
+          <p:nvPr/>
+        </p:nvPicPr>
+        <p:blipFill>
+          <a:blip r:embed="rId3"/>
+          <a:stretch>
+            <a:fillRect/>
+          </a:stretch>
+        </p:blipFill>
+        <p:spPr>
+          <a:xfrm>
+            <a:off x="6808843" y="227738"/>
+            <a:ext cx="3134798" cy="5667768"/>
+          </a:xfrm>
+          <a:prstGeom prst="rect">
+            <a:avLst/>
+          </a:prstGeom>
+          <a:ln>
+            <a:noFill/>
+          </a:ln>
+          <a:effectLst>
+            <a:outerShdw blurRad="292100" dist="139700" dir="2700000" algn="tl" rotWithShape="0">
+              <a:srgbClr val="333333">
+                <a:alpha val="65000"/>
+              </a:srgbClr>
+            </a:outerShdw>
+          </a:effectLst>
+        </p:spPr>
+      </p:pic>
+      <p:sp>
+        <p:nvSpPr>
+          <p:cNvPr id="5" name="角丸四角形 4">
+            <a:extLst>
+              <a:ext uri="{FF2B5EF4-FFF2-40B4-BE49-F238E27FC236}">
+                <a16:creationId xmlns:a16="http://schemas.microsoft.com/office/drawing/2014/main" id="{922BA152-1108-6A4D-D58C-D94EADBC4A58}"/>
+              </a:ext>
+            </a:extLst>
+          </p:cNvPr>
+          <p:cNvSpPr/>
+          <p:nvPr/>
+        </p:nvSpPr>
+        <p:spPr>
+          <a:xfrm>
+            <a:off x="6191311" y="1548539"/>
+            <a:ext cx="617532" cy="313815"/>
+          </a:xfrm>
+          <a:prstGeom prst="roundRect">
+            <a:avLst/>
+          </a:prstGeom>
+          <a:noFill/>
+          <a:ln w="28575">
+            <a:solidFill>
+              <a:srgbClr val="FF0000"/>
+            </a:solidFill>
+          </a:ln>
+        </p:spPr>
+        <p:style>
+          <a:lnRef idx="2">
+            <a:schemeClr val="accent1">
+              <a:shade val="50000"/>
+            </a:schemeClr>
+          </a:lnRef>
+          <a:fillRef idx="1">
+            <a:schemeClr val="accent1"/>
+          </a:fillRef>
+          <a:effectRef idx="0">
+            <a:schemeClr val="accent1"/>
+          </a:effectRef>
+          <a:fontRef idx="minor">
+            <a:schemeClr val="lt1"/>
+          </a:fontRef>
+        </p:style>
+        <p:txBody>
+          <a:bodyPr rtlCol="0" anchor="ctr"/>
+          <a:lstStyle/>
+          <a:p>
+            <a:pPr algn="ctr"/>
+            <a:endParaRPr kumimoji="1" lang="ja-JP" altLang="en-US"/>
+          </a:p>
+        </p:txBody>
+      </p:sp>
+      <p:sp>
+        <p:nvSpPr>
+          <p:cNvPr id="9" name="角丸四角形 8">
+            <a:extLst>
+              <a:ext uri="{FF2B5EF4-FFF2-40B4-BE49-F238E27FC236}">
+                <a16:creationId xmlns:a16="http://schemas.microsoft.com/office/drawing/2014/main" id="{CA89CF08-31F2-695C-0F5F-A6E883FFA710}"/>
+              </a:ext>
+            </a:extLst>
+          </p:cNvPr>
+          <p:cNvSpPr/>
+          <p:nvPr/>
+        </p:nvSpPr>
+        <p:spPr>
+          <a:xfrm>
+            <a:off x="6957685" y="541553"/>
+            <a:ext cx="2762048" cy="530891"/>
+          </a:xfrm>
+          <a:prstGeom prst="roundRect">
+            <a:avLst/>
+          </a:prstGeom>
+          <a:noFill/>
+          <a:ln w="28575">
+            <a:solidFill>
+              <a:srgbClr val="FF0000"/>
+            </a:solidFill>
+          </a:ln>
+        </p:spPr>
+        <p:style>
+          <a:lnRef idx="2">
+            <a:schemeClr val="accent1">
+              <a:shade val="50000"/>
+            </a:schemeClr>
+          </a:lnRef>
+          <a:fillRef idx="1">
+            <a:schemeClr val="accent1"/>
+          </a:fillRef>
+          <a:effectRef idx="0">
+            <a:schemeClr val="accent1"/>
+          </a:effectRef>
+          <a:fontRef idx="minor">
+            <a:schemeClr val="lt1"/>
+          </a:fontRef>
+        </p:style>
+        <p:txBody>
+          <a:bodyPr rtlCol="0" anchor="ctr"/>
+          <a:lstStyle/>
+          <a:p>
+            <a:pPr algn="ctr"/>
+            <a:endParaRPr kumimoji="1" lang="ja-JP" altLang="en-US"/>
+          </a:p>
+        </p:txBody>
+      </p:sp>
+      <p:sp>
+        <p:nvSpPr>
+          <p:cNvPr id="10" name="角丸四角形 9">
+            <a:extLst>
+              <a:ext uri="{FF2B5EF4-FFF2-40B4-BE49-F238E27FC236}">
+                <a16:creationId xmlns:a16="http://schemas.microsoft.com/office/drawing/2014/main" id="{9972DE06-6663-CECE-3734-AA6EE0CBED84}"/>
+              </a:ext>
+            </a:extLst>
+          </p:cNvPr>
+          <p:cNvSpPr/>
+          <p:nvPr/>
+        </p:nvSpPr>
+        <p:spPr>
+          <a:xfrm>
+            <a:off x="6808843" y="5401188"/>
+            <a:ext cx="968081" cy="530891"/>
+          </a:xfrm>
+          <a:prstGeom prst="roundRect">
+            <a:avLst/>
+          </a:prstGeom>
+          <a:noFill/>
+          <a:ln w="28575">
+            <a:solidFill>
+              <a:srgbClr val="FF0000"/>
+            </a:solidFill>
+          </a:ln>
+        </p:spPr>
+        <p:style>
+          <a:lnRef idx="2">
+            <a:schemeClr val="accent1">
+              <a:shade val="50000"/>
+            </a:schemeClr>
+          </a:lnRef>
+          <a:fillRef idx="1">
+            <a:schemeClr val="accent1"/>
+          </a:fillRef>
+          <a:effectRef idx="0">
+            <a:schemeClr val="accent1"/>
+          </a:effectRef>
+          <a:fontRef idx="minor">
+            <a:schemeClr val="lt1"/>
+          </a:fontRef>
+        </p:style>
+        <p:txBody>
+          <a:bodyPr rtlCol="0" anchor="ctr"/>
+          <a:lstStyle/>
+          <a:p>
+            <a:pPr algn="ctr"/>
+            <a:endParaRPr kumimoji="1" lang="ja-JP" altLang="en-US"/>
+          </a:p>
+        </p:txBody>
+      </p:sp>
+      <p:pic>
+        <p:nvPicPr>
+          <p:cNvPr id="11" name="図 10">
+            <a:extLst>
+              <a:ext uri="{FF2B5EF4-FFF2-40B4-BE49-F238E27FC236}">
+                <a16:creationId xmlns:a16="http://schemas.microsoft.com/office/drawing/2014/main" id="{2F38B025-2035-E96E-125D-5C9D7D10EDBC}"/>
+              </a:ext>
+            </a:extLst>
+          </p:cNvPr>
+          <p:cNvPicPr>
+            <a:picLocks noChangeAspect="1"/>
+          </p:cNvPicPr>
+          <p:nvPr/>
+        </p:nvPicPr>
+        <p:blipFill>
+          <a:blip r:embed="rId4"/>
+          <a:stretch>
+            <a:fillRect/>
+          </a:stretch>
+        </p:blipFill>
+        <p:spPr>
+          <a:xfrm>
+            <a:off x="10092483" y="212047"/>
+            <a:ext cx="3134798" cy="5667768"/>
+          </a:xfrm>
+          <a:prstGeom prst="rect">
+            <a:avLst/>
+          </a:prstGeom>
+          <a:ln>
+            <a:noFill/>
+          </a:ln>
+          <a:effectLst>
+            <a:outerShdw blurRad="292100" dist="139700" dir="2700000" algn="tl" rotWithShape="0">
+              <a:srgbClr val="333333">
+                <a:alpha val="65000"/>
+              </a:srgbClr>
+            </a:outerShdw>
+          </a:effectLst>
+        </p:spPr>
+      </p:pic>
+      <p:sp>
+        <p:nvSpPr>
+          <p:cNvPr id="12" name="角丸四角形 11">
+            <a:extLst>
+              <a:ext uri="{FF2B5EF4-FFF2-40B4-BE49-F238E27FC236}">
+                <a16:creationId xmlns:a16="http://schemas.microsoft.com/office/drawing/2014/main" id="{C5CDDE6E-18EF-8834-7690-AF8A05070041}"/>
+              </a:ext>
+            </a:extLst>
+          </p:cNvPr>
+          <p:cNvSpPr/>
+          <p:nvPr/>
+        </p:nvSpPr>
+        <p:spPr>
+          <a:xfrm>
+            <a:off x="10203741" y="423739"/>
+            <a:ext cx="968081" cy="329641"/>
+          </a:xfrm>
+          <a:prstGeom prst="roundRect">
+            <a:avLst/>
+          </a:prstGeom>
+          <a:noFill/>
+          <a:ln w="28575">
+            <a:solidFill>
+              <a:srgbClr val="FF0000"/>
+            </a:solidFill>
+          </a:ln>
+        </p:spPr>
+        <p:style>
+          <a:lnRef idx="2">
+            <a:schemeClr val="accent1">
+              <a:shade val="50000"/>
+            </a:schemeClr>
+          </a:lnRef>
+          <a:fillRef idx="1">
+            <a:schemeClr val="accent1"/>
+          </a:fillRef>
+          <a:effectRef idx="0">
+            <a:schemeClr val="accent1"/>
+          </a:effectRef>
+          <a:fontRef idx="minor">
+            <a:schemeClr val="lt1"/>
+          </a:fontRef>
+        </p:style>
+        <p:txBody>
+          <a:bodyPr rtlCol="0" anchor="ctr"/>
+          <a:lstStyle/>
+          <a:p>
+            <a:pPr algn="ctr"/>
+            <a:endParaRPr kumimoji="1" lang="ja-JP" altLang="en-US"/>
+          </a:p>
+        </p:txBody>
+      </p:sp>
+    </p:spTree>
+    <p:extLst>
+      <p:ext uri="{BB962C8B-B14F-4D97-AF65-F5344CB8AC3E}">
+        <p14:creationId xmlns:p14="http://schemas.microsoft.com/office/powerpoint/2010/main" val="1038923513"/>
+      </p:ext>
+    </p:extLst>
+  </p:cSld>
+  <p:clrMapOvr>
+    <a:masterClrMapping/>
+  </p:clrMapOvr>
+</p:sld>
+</file>
+
+<file path=ppt/slides/slide9.xml><?xml version="1.0" encoding="utf-8"?>
+<p:sld xmlns:a="http://schemas.openxmlformats.org/drawingml/2006/main" xmlns:r="http://schemas.openxmlformats.org/officeDocument/2006/relationships" xmlns:p="http://schemas.openxmlformats.org/presentationml/2006/main">
+  <p:cSld>
+    <p:spTree>
+      <p:nvGrpSpPr>
+        <p:cNvPr id="1" name=""/>
+        <p:cNvGrpSpPr/>
+        <p:nvPr/>
+      </p:nvGrpSpPr>
+      <p:grpSpPr>
+        <a:xfrm>
+          <a:off x="0" y="0"/>
+          <a:ext cx="0" cy="0"/>
+          <a:chOff x="0" y="0"/>
+          <a:chExt cx="0" cy="0"/>
+        </a:xfrm>
+      </p:grpSpPr>
+      <p:pic>
+        <p:nvPicPr>
+          <p:cNvPr id="2" name="図 1">
+            <a:extLst>
+              <a:ext uri="{FF2B5EF4-FFF2-40B4-BE49-F238E27FC236}">
+                <a16:creationId xmlns:a16="http://schemas.microsoft.com/office/drawing/2014/main" id="{1D3858E1-18DC-F027-FB3D-A6257D5CAF0E}"/>
+              </a:ext>
+            </a:extLst>
+          </p:cNvPr>
+          <p:cNvPicPr>
+            <a:picLocks noChangeAspect="1"/>
+          </p:cNvPicPr>
+          <p:nvPr/>
+        </p:nvPicPr>
+        <p:blipFill>
+          <a:blip r:embed="rId2"/>
+          <a:stretch>
+            <a:fillRect/>
+          </a:stretch>
+        </p:blipFill>
+        <p:spPr>
+          <a:xfrm>
+            <a:off x="444518" y="428172"/>
+            <a:ext cx="4597364" cy="3540680"/>
+          </a:xfrm>
+          <a:prstGeom prst="rect">
+            <a:avLst/>
+          </a:prstGeom>
+          <a:ln>
+            <a:noFill/>
+          </a:ln>
+          <a:effectLst>
+            <a:outerShdw blurRad="292100" dist="139700" dir="2700000" algn="tl" rotWithShape="0">
+              <a:srgbClr val="333333">
+                <a:alpha val="65000"/>
+              </a:srgbClr>
+            </a:outerShdw>
+          </a:effectLst>
+        </p:spPr>
+      </p:pic>
+      <p:sp>
+        <p:nvSpPr>
+          <p:cNvPr id="3" name="角丸四角形 2">
+            <a:extLst>
+              <a:ext uri="{FF2B5EF4-FFF2-40B4-BE49-F238E27FC236}">
+                <a16:creationId xmlns:a16="http://schemas.microsoft.com/office/drawing/2014/main" id="{39E4841E-F897-C298-B7B4-A41FA43F1379}"/>
+              </a:ext>
+            </a:extLst>
+          </p:cNvPr>
+          <p:cNvSpPr/>
+          <p:nvPr/>
+        </p:nvSpPr>
+        <p:spPr>
+          <a:xfrm>
+            <a:off x="3391665" y="2282317"/>
+            <a:ext cx="1485134" cy="313815"/>
+          </a:xfrm>
+          <a:prstGeom prst="roundRect">
+            <a:avLst/>
+          </a:prstGeom>
+          <a:noFill/>
+          <a:ln w="28575">
+            <a:solidFill>
+              <a:srgbClr val="FF0000"/>
+            </a:solidFill>
+          </a:ln>
+        </p:spPr>
+        <p:style>
+          <a:lnRef idx="2">
+            <a:schemeClr val="accent1">
+              <a:shade val="50000"/>
+            </a:schemeClr>
+          </a:lnRef>
+          <a:fillRef idx="1">
+            <a:schemeClr val="accent1"/>
+          </a:fillRef>
+          <a:effectRef idx="0">
+            <a:schemeClr val="accent1"/>
+          </a:effectRef>
+          <a:fontRef idx="minor">
+            <a:schemeClr val="lt1"/>
+          </a:fontRef>
+        </p:style>
+        <p:txBody>
+          <a:bodyPr rtlCol="0" anchor="ctr"/>
+          <a:lstStyle/>
+          <a:p>
+            <a:pPr algn="ctr"/>
+            <a:endParaRPr kumimoji="1" lang="ja-JP" altLang="en-US"/>
+          </a:p>
+        </p:txBody>
+      </p:sp>
+      <p:pic>
+        <p:nvPicPr>
+          <p:cNvPr id="4" name="図 3">
+            <a:extLst>
+              <a:ext uri="{FF2B5EF4-FFF2-40B4-BE49-F238E27FC236}">
+                <a16:creationId xmlns:a16="http://schemas.microsoft.com/office/drawing/2014/main" id="{C36A35D0-904B-0004-F154-7C80B7FDD4DF}"/>
+              </a:ext>
+            </a:extLst>
+          </p:cNvPr>
+          <p:cNvPicPr>
+            <a:picLocks noChangeAspect="1"/>
+          </p:cNvPicPr>
+          <p:nvPr/>
+        </p:nvPicPr>
+        <p:blipFill>
+          <a:blip r:embed="rId3"/>
+          <a:stretch>
+            <a:fillRect/>
+          </a:stretch>
+        </p:blipFill>
+        <p:spPr>
+          <a:xfrm>
+            <a:off x="5201355" y="428172"/>
+            <a:ext cx="7772400" cy="4627543"/>
+          </a:xfrm>
+          <a:prstGeom prst="rect">
+            <a:avLst/>
+          </a:prstGeom>
+          <a:ln>
+            <a:noFill/>
+          </a:ln>
+          <a:effectLst>
+            <a:outerShdw blurRad="292100" dist="139700" dir="2700000" algn="tl" rotWithShape="0">
+              <a:srgbClr val="333333">
+                <a:alpha val="65000"/>
+              </a:srgbClr>
+            </a:outerShdw>
+          </a:effectLst>
+        </p:spPr>
+      </p:pic>
+      <p:sp>
+        <p:nvSpPr>
+          <p:cNvPr id="5" name="角丸四角形 4">
+            <a:extLst>
+              <a:ext uri="{FF2B5EF4-FFF2-40B4-BE49-F238E27FC236}">
+                <a16:creationId xmlns:a16="http://schemas.microsoft.com/office/drawing/2014/main" id="{85CAAE81-7B2D-C5F8-3BF7-7D8B813E3C58}"/>
+              </a:ext>
+            </a:extLst>
+          </p:cNvPr>
+          <p:cNvSpPr/>
+          <p:nvPr/>
+        </p:nvSpPr>
+        <p:spPr>
+          <a:xfrm>
+            <a:off x="11733833" y="526895"/>
+            <a:ext cx="629842" cy="313815"/>
+          </a:xfrm>
+          <a:prstGeom prst="roundRect">
+            <a:avLst/>
+          </a:prstGeom>
+          <a:noFill/>
+          <a:ln w="28575">
+            <a:solidFill>
+              <a:srgbClr val="FF0000"/>
+            </a:solidFill>
+          </a:ln>
+        </p:spPr>
+        <p:style>
+          <a:lnRef idx="2">
+            <a:schemeClr val="accent1">
+              <a:shade val="50000"/>
+            </a:schemeClr>
+          </a:lnRef>
+          <a:fillRef idx="1">
+            <a:schemeClr val="accent1"/>
+          </a:fillRef>
+          <a:effectRef idx="0">
+            <a:schemeClr val="accent1"/>
+          </a:effectRef>
+          <a:fontRef idx="minor">
+            <a:schemeClr val="lt1"/>
+          </a:fontRef>
+        </p:style>
+        <p:txBody>
+          <a:bodyPr rtlCol="0" anchor="ctr"/>
+          <a:lstStyle/>
+          <a:p>
+            <a:pPr algn="ctr"/>
+            <a:endParaRPr kumimoji="1" lang="ja-JP" altLang="en-US"/>
+          </a:p>
+        </p:txBody>
+      </p:sp>
+      <p:sp>
+        <p:nvSpPr>
+          <p:cNvPr id="6" name="角丸四角形 5">
+            <a:extLst>
+              <a:ext uri="{FF2B5EF4-FFF2-40B4-BE49-F238E27FC236}">
+                <a16:creationId xmlns:a16="http://schemas.microsoft.com/office/drawing/2014/main" id="{DF67C28B-646A-BBD6-0B1E-2E98A996DB4E}"/>
+              </a:ext>
+            </a:extLst>
+          </p:cNvPr>
+          <p:cNvSpPr/>
+          <p:nvPr/>
+        </p:nvSpPr>
+        <p:spPr>
+          <a:xfrm>
+            <a:off x="5621867" y="4556536"/>
+            <a:ext cx="4387840" cy="241241"/>
+          </a:xfrm>
+          <a:prstGeom prst="roundRect">
+            <a:avLst/>
+          </a:prstGeom>
+          <a:noFill/>
+          <a:ln w="28575">
+            <a:solidFill>
+              <a:srgbClr val="FF0000"/>
+            </a:solidFill>
+          </a:ln>
+        </p:spPr>
+        <p:style>
+          <a:lnRef idx="2">
+            <a:schemeClr val="accent1">
+              <a:shade val="50000"/>
+            </a:schemeClr>
+          </a:lnRef>
+          <a:fillRef idx="1">
+            <a:schemeClr val="accent1"/>
+          </a:fillRef>
+          <a:effectRef idx="0">
+            <a:schemeClr val="accent1"/>
+          </a:effectRef>
+          <a:fontRef idx="minor">
+            <a:schemeClr val="lt1"/>
+          </a:fontRef>
+        </p:style>
+        <p:txBody>
+          <a:bodyPr rtlCol="0" anchor="ctr"/>
+          <a:lstStyle/>
+          <a:p>
+            <a:pPr algn="ctr"/>
+            <a:endParaRPr kumimoji="1" lang="ja-JP" altLang="en-US"/>
+          </a:p>
+        </p:txBody>
+      </p:sp>
+    </p:spTree>
+    <p:extLst>
+      <p:ext uri="{BB962C8B-B14F-4D97-AF65-F5344CB8AC3E}">
+        <p14:creationId xmlns:p14="http://schemas.microsoft.com/office/powerpoint/2010/main" val="1308165320"/>
       </p:ext>
     </p:extLst>
   </p:cSld>
